--- a/docs/songs/build my life.pptx
+++ b/docs/songs/build my life.pptx
@@ -309,7 +309,7 @@
             <a:fld id="{26EA1CF3-4A15-4CBF-9A5A-6A56C368BE71}" type="datetimeFigureOut">
               <a:rPr lang="en-GB" smtClean="0"/>
               <a:pPr/>
-              <a:t>14/11/2022</a:t>
+              <a:t>25/09/2023</a:t>
             </a:fld>
             <a:endParaRPr lang="en-GB"/>
           </a:p>
@@ -476,7 +476,7 @@
             <a:fld id="{26EA1CF3-4A15-4CBF-9A5A-6A56C368BE71}" type="datetimeFigureOut">
               <a:rPr lang="en-GB" smtClean="0"/>
               <a:pPr/>
-              <a:t>14/11/2022</a:t>
+              <a:t>25/09/2023</a:t>
             </a:fld>
             <a:endParaRPr lang="en-GB"/>
           </a:p>
@@ -653,7 +653,7 @@
             <a:fld id="{26EA1CF3-4A15-4CBF-9A5A-6A56C368BE71}" type="datetimeFigureOut">
               <a:rPr lang="en-GB" smtClean="0"/>
               <a:pPr/>
-              <a:t>14/11/2022</a:t>
+              <a:t>25/09/2023</a:t>
             </a:fld>
             <a:endParaRPr lang="en-GB"/>
           </a:p>
@@ -820,7 +820,7 @@
             <a:fld id="{26EA1CF3-4A15-4CBF-9A5A-6A56C368BE71}" type="datetimeFigureOut">
               <a:rPr lang="en-GB" smtClean="0"/>
               <a:pPr/>
-              <a:t>14/11/2022</a:t>
+              <a:t>25/09/2023</a:t>
             </a:fld>
             <a:endParaRPr lang="en-GB"/>
           </a:p>
@@ -1063,7 +1063,7 @@
             <a:fld id="{26EA1CF3-4A15-4CBF-9A5A-6A56C368BE71}" type="datetimeFigureOut">
               <a:rPr lang="en-GB" smtClean="0"/>
               <a:pPr/>
-              <a:t>14/11/2022</a:t>
+              <a:t>25/09/2023</a:t>
             </a:fld>
             <a:endParaRPr lang="en-GB"/>
           </a:p>
@@ -1348,7 +1348,7 @@
             <a:fld id="{26EA1CF3-4A15-4CBF-9A5A-6A56C368BE71}" type="datetimeFigureOut">
               <a:rPr lang="en-GB" smtClean="0"/>
               <a:pPr/>
-              <a:t>14/11/2022</a:t>
+              <a:t>25/09/2023</a:t>
             </a:fld>
             <a:endParaRPr lang="en-GB"/>
           </a:p>
@@ -1767,7 +1767,7 @@
             <a:fld id="{26EA1CF3-4A15-4CBF-9A5A-6A56C368BE71}" type="datetimeFigureOut">
               <a:rPr lang="en-GB" smtClean="0"/>
               <a:pPr/>
-              <a:t>14/11/2022</a:t>
+              <a:t>25/09/2023</a:t>
             </a:fld>
             <a:endParaRPr lang="en-GB"/>
           </a:p>
@@ -1882,7 +1882,7 @@
             <a:fld id="{26EA1CF3-4A15-4CBF-9A5A-6A56C368BE71}" type="datetimeFigureOut">
               <a:rPr lang="en-GB" smtClean="0"/>
               <a:pPr/>
-              <a:t>14/11/2022</a:t>
+              <a:t>25/09/2023</a:t>
             </a:fld>
             <a:endParaRPr lang="en-GB"/>
           </a:p>
@@ -1974,7 +1974,7 @@
             <a:fld id="{26EA1CF3-4A15-4CBF-9A5A-6A56C368BE71}" type="datetimeFigureOut">
               <a:rPr lang="en-GB" smtClean="0"/>
               <a:pPr/>
-              <a:t>14/11/2022</a:t>
+              <a:t>25/09/2023</a:t>
             </a:fld>
             <a:endParaRPr lang="en-GB"/>
           </a:p>
@@ -2248,7 +2248,7 @@
             <a:fld id="{26EA1CF3-4A15-4CBF-9A5A-6A56C368BE71}" type="datetimeFigureOut">
               <a:rPr lang="en-GB" smtClean="0"/>
               <a:pPr/>
-              <a:t>14/11/2022</a:t>
+              <a:t>25/09/2023</a:t>
             </a:fld>
             <a:endParaRPr lang="en-GB"/>
           </a:p>
@@ -2498,7 +2498,7 @@
             <a:fld id="{26EA1CF3-4A15-4CBF-9A5A-6A56C368BE71}" type="datetimeFigureOut">
               <a:rPr lang="en-GB" smtClean="0"/>
               <a:pPr/>
-              <a:t>14/11/2022</a:t>
+              <a:t>25/09/2023</a:t>
             </a:fld>
             <a:endParaRPr lang="en-GB"/>
           </a:p>
@@ -2711,7 +2711,7 @@
             <a:fld id="{26EA1CF3-4A15-4CBF-9A5A-6A56C368BE71}" type="datetimeFigureOut">
               <a:rPr lang="en-GB" smtClean="0"/>
               <a:pPr/>
-              <a:t>14/11/2022</a:t>
+              <a:t>25/09/2023</a:t>
             </a:fld>
             <a:endParaRPr lang="en-GB"/>
           </a:p>
@@ -3406,7 +3406,7 @@
         </p:nvSpPr>
         <p:spPr>
           <a:xfrm>
-            <a:off x="323528" y="188640"/>
+            <a:off x="107504" y="836712"/>
             <a:ext cx="8640960" cy="6480720"/>
           </a:xfrm>
         </p:spPr>
@@ -3564,7 +3564,7 @@
         </p:nvSpPr>
         <p:spPr>
           <a:xfrm>
-            <a:off x="323528" y="188640"/>
+            <a:off x="203118" y="764704"/>
             <a:ext cx="8640960" cy="6480720"/>
           </a:xfrm>
         </p:spPr>
@@ -3732,7 +3732,7 @@
         </p:nvSpPr>
         <p:spPr>
           <a:xfrm>
-            <a:off x="323528" y="188640"/>
+            <a:off x="26640" y="764704"/>
             <a:ext cx="8640960" cy="6480720"/>
           </a:xfrm>
         </p:spPr>
@@ -3868,7 +3868,7 @@
         </p:nvSpPr>
         <p:spPr>
           <a:xfrm>
-            <a:off x="323528" y="188640"/>
+            <a:off x="177206" y="836712"/>
             <a:ext cx="8640960" cy="6480720"/>
           </a:xfrm>
         </p:spPr>
